--- a/前端PPT/html 简介.pptx
+++ b/前端PPT/html 简介.pptx
@@ -16445,7 +16445,26 @@
                 <a:ea typeface="宋体" panose="02010600030101010101" pitchFamily="2" charset="-122"/>
                 <a:cs typeface="宋体" panose="02010600030101010101" pitchFamily="2" charset="-122"/>
               </a:rPr>
-              <a:t>在html中，select标签是使用来定义下拉列表的，通常在网页中用来实现下拉菜单。select标签定义的下拉列表中的各个选项由option标签来定义。</a:t>
+              <a:t>在html中，select标签是使用来定义下拉列表的，通常在网页中用来实现下拉菜单。select标签定义的下拉列表中的各个选项由</a:t>
+            </a:r>
+            <a:r>
+              <a:rPr lang="zh-CN" altLang="en-US" b="1">
+                <a:solidFill>
+                  <a:srgbClr val="FF0000"/>
+                </a:solidFill>
+                <a:latin typeface="宋体" panose="02010600030101010101" pitchFamily="2" charset="-122"/>
+                <a:ea typeface="宋体" panose="02010600030101010101" pitchFamily="2" charset="-122"/>
+                <a:cs typeface="宋体" panose="02010600030101010101" pitchFamily="2" charset="-122"/>
+              </a:rPr>
+              <a:t>option</a:t>
+            </a:r>
+            <a:r>
+              <a:rPr lang="zh-CN" altLang="en-US">
+                <a:latin typeface="宋体" panose="02010600030101010101" pitchFamily="2" charset="-122"/>
+                <a:ea typeface="宋体" panose="02010600030101010101" pitchFamily="2" charset="-122"/>
+                <a:cs typeface="宋体" panose="02010600030101010101" pitchFamily="2" charset="-122"/>
+              </a:rPr>
+              <a:t>标签来定义。</a:t>
             </a:r>
             <a:endParaRPr lang="zh-CN" altLang="en-US">
               <a:latin typeface="宋体" panose="02010600030101010101" pitchFamily="2" charset="-122"/>

--- a/前端PPT/html 简介.pptx
+++ b/前端PPT/html 简介.pptx
@@ -7823,7 +7823,28 @@
                 <a:cs typeface="宋体" panose="02010600030101010101" pitchFamily="2" charset="-122"/>
                 <a:sym typeface="+mn-ea"/>
               </a:rPr>
-              <a:t>jpg/jpeg,不支持透明色,不支持动画,支持颜色数有1670万种。</a:t>
+              <a:t>jpg/jpeg,</a:t>
+            </a:r>
+            <a:r>
+              <a:rPr lang="zh-CN" altLang="en-US" b="1" dirty="0">
+                <a:solidFill>
+                  <a:srgbClr val="FF0000"/>
+                </a:solidFill>
+                <a:latin typeface="宋体" panose="02010600030101010101" pitchFamily="2" charset="-122"/>
+                <a:ea typeface="宋体" panose="02010600030101010101" pitchFamily="2" charset="-122"/>
+                <a:cs typeface="宋体" panose="02010600030101010101" pitchFamily="2" charset="-122"/>
+                <a:sym typeface="+mn-ea"/>
+              </a:rPr>
+              <a:t>不支持透明色</a:t>
+            </a:r>
+            <a:r>
+              <a:rPr lang="zh-CN" altLang="en-US" dirty="0">
+                <a:latin typeface="宋体" panose="02010600030101010101" pitchFamily="2" charset="-122"/>
+                <a:ea typeface="宋体" panose="02010600030101010101" pitchFamily="2" charset="-122"/>
+                <a:cs typeface="宋体" panose="02010600030101010101" pitchFamily="2" charset="-122"/>
+                <a:sym typeface="+mn-ea"/>
+              </a:rPr>
+              <a:t>,不支持动画,支持颜色数有1670万种。</a:t>
             </a:r>
             <a:endParaRPr lang="zh-CN" altLang="en-US" dirty="0">
               <a:latin typeface="宋体" panose="02010600030101010101" pitchFamily="2" charset="-122"/>
@@ -7839,7 +7860,28 @@
                 <a:cs typeface="宋体" panose="02010600030101010101" pitchFamily="2" charset="-122"/>
                 <a:sym typeface="+mn-ea"/>
               </a:rPr>
-              <a:t>png,支持透明色,不支持动画,支持的颜色有256(28)、1670万和1670+三种。</a:t>
+              <a:t>png,</a:t>
+            </a:r>
+            <a:r>
+              <a:rPr lang="zh-CN" altLang="en-US" b="1" dirty="0">
+                <a:solidFill>
+                  <a:srgbClr val="FF0000"/>
+                </a:solidFill>
+                <a:latin typeface="宋体" panose="02010600030101010101" pitchFamily="2" charset="-122"/>
+                <a:ea typeface="宋体" panose="02010600030101010101" pitchFamily="2" charset="-122"/>
+                <a:cs typeface="宋体" panose="02010600030101010101" pitchFamily="2" charset="-122"/>
+                <a:sym typeface="+mn-ea"/>
+              </a:rPr>
+              <a:t>支持透明色</a:t>
+            </a:r>
+            <a:r>
+              <a:rPr lang="zh-CN" altLang="en-US" dirty="0">
+                <a:latin typeface="宋体" panose="02010600030101010101" pitchFamily="2" charset="-122"/>
+                <a:ea typeface="宋体" panose="02010600030101010101" pitchFamily="2" charset="-122"/>
+                <a:cs typeface="宋体" panose="02010600030101010101" pitchFamily="2" charset="-122"/>
+                <a:sym typeface="+mn-ea"/>
+              </a:rPr>
+              <a:t>,不支持动画,支持的颜色有256(28)、1670万和1670+三种。</a:t>
             </a:r>
             <a:endParaRPr lang="zh-CN" altLang="en-US" dirty="0">
               <a:latin typeface="宋体" panose="02010600030101010101" pitchFamily="2" charset="-122"/>
@@ -10124,7 +10166,39 @@
                 <a:ea typeface="宋体" panose="02010600030101010101" pitchFamily="2" charset="-122"/>
                 <a:cs typeface="宋体" panose="02010600030101010101" pitchFamily="2" charset="-122"/>
               </a:rPr>
-              <a:t>&lt;a href="" target=""&gt;文本&lt;/a&gt;</a:t>
+              <a:t>&lt;a href="</a:t>
+            </a:r>
+            <a:r>
+              <a:rPr lang="en-US" altLang="zh-CN">
+                <a:latin typeface="宋体" panose="02010600030101010101" pitchFamily="2" charset="-122"/>
+                <a:ea typeface="宋体" panose="02010600030101010101" pitchFamily="2" charset="-122"/>
+                <a:cs typeface="宋体" panose="02010600030101010101" pitchFamily="2" charset="-122"/>
+              </a:rPr>
+              <a:t>https://www.baidu.com</a:t>
+            </a:r>
+            <a:r>
+              <a:rPr lang="zh-CN" altLang="en-US">
+                <a:latin typeface="宋体" panose="02010600030101010101" pitchFamily="2" charset="-122"/>
+                <a:ea typeface="宋体" panose="02010600030101010101" pitchFamily="2" charset="-122"/>
+                <a:cs typeface="宋体" panose="02010600030101010101" pitchFamily="2" charset="-122"/>
+              </a:rPr>
+              <a:t>" target="</a:t>
+            </a:r>
+            <a:r>
+              <a:rPr lang="en-US" altLang="zh-CN">
+                <a:latin typeface="宋体" panose="02010600030101010101" pitchFamily="2" charset="-122"/>
+                <a:ea typeface="宋体" panose="02010600030101010101" pitchFamily="2" charset="-122"/>
+                <a:cs typeface="宋体" panose="02010600030101010101" pitchFamily="2" charset="-122"/>
+              </a:rPr>
+              <a:t>_blank</a:t>
+            </a:r>
+            <a:r>
+              <a:rPr lang="zh-CN" altLang="en-US">
+                <a:latin typeface="宋体" panose="02010600030101010101" pitchFamily="2" charset="-122"/>
+                <a:ea typeface="宋体" panose="02010600030101010101" pitchFamily="2" charset="-122"/>
+                <a:cs typeface="宋体" panose="02010600030101010101" pitchFamily="2" charset="-122"/>
+              </a:rPr>
+              <a:t>"&gt;文本&lt;/a&gt;</a:t>
             </a:r>
             <a:endParaRPr lang="zh-CN" altLang="en-US">
               <a:latin typeface="宋体" panose="02010600030101010101" pitchFamily="2" charset="-122"/>
@@ -11612,7 +11686,16 @@
                 <a:ea typeface="宋体" panose="02010600030101010101" pitchFamily="2" charset="-122"/>
                 <a:cs typeface="宋体" panose="02010600030101010101" pitchFamily="2" charset="-122"/>
               </a:rPr>
-              <a:t>无序列表始于 &lt;ul&gt; 标签。每个列表项始于 &lt;li&gt;。</a:t>
+              <a:t>无序列表始于 &lt;ul&gt; 标签。每个列表项始于 &lt;li&gt; </a:t>
+            </a:r>
+            <a:r>
+              <a:rPr lang="en-US" altLang="zh-CN">
+                <a:latin typeface="宋体" panose="02010600030101010101" pitchFamily="2" charset="-122"/>
+                <a:ea typeface="宋体" panose="02010600030101010101" pitchFamily="2" charset="-122"/>
+                <a:cs typeface="宋体" panose="02010600030101010101" pitchFamily="2" charset="-122"/>
+                <a:sym typeface="+mn-ea"/>
+              </a:rPr>
+              <a:t>标签。</a:t>
             </a:r>
             <a:endParaRPr lang="en-US" altLang="zh-CN">
               <a:latin typeface="宋体" panose="02010600030101010101" pitchFamily="2" charset="-122"/>
@@ -11987,7 +12070,7 @@
                 <a:ea typeface="宋体" panose="02010600030101010101" pitchFamily="2" charset="-122"/>
                 <a:cs typeface="宋体" panose="02010600030101010101" pitchFamily="2" charset="-122"/>
               </a:rPr>
-              <a:t>行内元素？</a:t>
+              <a:t>行内元素</a:t>
             </a:r>
             <a:endParaRPr lang="zh-CN" altLang="en-US">
               <a:solidFill>
@@ -14494,6 +14577,43 @@
           </a:prstGeom>
         </p:spPr>
       </p:pic>
+      <p:sp>
+        <p:nvSpPr>
+          <p:cNvPr id="2" name="文本框 1"/>
+          <p:cNvSpPr txBox="1"/>
+          <p:nvPr/>
+        </p:nvSpPr>
+        <p:spPr>
+          <a:xfrm>
+            <a:off x="4146550" y="4999355"/>
+            <a:ext cx="2240280" cy="368300"/>
+          </a:xfrm>
+          <a:prstGeom prst="rect">
+            <a:avLst/>
+          </a:prstGeom>
+          <a:noFill/>
+        </p:spPr>
+        <p:txBody>
+          <a:bodyPr wrap="none" rtlCol="0">
+            <a:spAutoFit/>
+          </a:bodyPr>
+          <a:p>
+            <a:r>
+              <a:rPr lang="zh-CN" altLang="en-US" b="1">
+                <a:solidFill>
+                  <a:srgbClr val="FF0000"/>
+                </a:solidFill>
+              </a:rPr>
+              <a:t>四个方向：上右下左</a:t>
+            </a:r>
+            <a:endParaRPr lang="zh-CN" altLang="en-US" b="1">
+              <a:solidFill>
+                <a:srgbClr val="FF0000"/>
+              </a:solidFill>
+            </a:endParaRPr>
+          </a:p>
+        </p:txBody>
+      </p:sp>
     </p:spTree>
     <p:custDataLst>
       <p:tags r:id="rId4"/>
@@ -15294,9 +15414,48 @@
                 <a:ea typeface="宋体" panose="02010600030101010101" pitchFamily="2" charset="-122"/>
                 <a:cs typeface="宋体" panose="02010600030101010101" pitchFamily="2" charset="-122"/>
               </a:rPr>
-              <a:t>4.安全性</a:t>
-            </a:r>
-            <a:endParaRPr lang="zh-CN" altLang="en-US">
+              <a:t>4.安全性 </a:t>
+            </a:r>
+            <a:r>
+              <a:rPr lang="zh-CN" altLang="en-US" b="1">
+                <a:solidFill>
+                  <a:srgbClr val="FF0000"/>
+                </a:solidFill>
+                <a:latin typeface="宋体" panose="02010600030101010101" pitchFamily="2" charset="-122"/>
+                <a:ea typeface="宋体" panose="02010600030101010101" pitchFamily="2" charset="-122"/>
+                <a:cs typeface="宋体" panose="02010600030101010101" pitchFamily="2" charset="-122"/>
+                <a:sym typeface="+mn-ea"/>
+              </a:rPr>
+              <a:t>（登录注册建议使用 </a:t>
+            </a:r>
+            <a:r>
+              <a:rPr lang="en-US" altLang="zh-CN" b="1">
+                <a:solidFill>
+                  <a:srgbClr val="FF0000"/>
+                </a:solidFill>
+                <a:latin typeface="宋体" panose="02010600030101010101" pitchFamily="2" charset="-122"/>
+                <a:ea typeface="宋体" panose="02010600030101010101" pitchFamily="2" charset="-122"/>
+                <a:cs typeface="宋体" panose="02010600030101010101" pitchFamily="2" charset="-122"/>
+                <a:sym typeface="+mn-ea"/>
+              </a:rPr>
+              <a:t>POST </a:t>
+            </a:r>
+            <a:r>
+              <a:rPr lang="zh-CN" altLang="en-US" b="1">
+                <a:solidFill>
+                  <a:srgbClr val="FF0000"/>
+                </a:solidFill>
+                <a:latin typeface="宋体" panose="02010600030101010101" pitchFamily="2" charset="-122"/>
+                <a:ea typeface="宋体" panose="02010600030101010101" pitchFamily="2" charset="-122"/>
+                <a:cs typeface="宋体" panose="02010600030101010101" pitchFamily="2" charset="-122"/>
+                <a:sym typeface="+mn-ea"/>
+              </a:rPr>
+              <a:t>方式）</a:t>
+            </a:r>
+            <a:endParaRPr lang="zh-CN" altLang="en-US" b="1">
+              <a:solidFill>
+                <a:srgbClr val="FF0000"/>
+              </a:solidFill>
               <a:latin typeface="宋体" panose="02010600030101010101" pitchFamily="2" charset="-122"/>
               <a:ea typeface="宋体" panose="02010600030101010101" pitchFamily="2" charset="-122"/>
               <a:cs typeface="宋体" panose="02010600030101010101" pitchFamily="2" charset="-122"/>
@@ -15375,7 +15534,7 @@
         <p:spPr>
           <a:xfrm>
             <a:off x="147955" y="764540"/>
-            <a:ext cx="11766550" cy="2306955"/>
+            <a:ext cx="11766550" cy="3138170"/>
           </a:xfrm>
           <a:prstGeom prst="rect">
             <a:avLst/>
@@ -15393,7 +15552,26 @@
                 <a:ea typeface="宋体" panose="02010600030101010101" pitchFamily="2" charset="-122"/>
                 <a:cs typeface="宋体" panose="02010600030101010101" pitchFamily="2" charset="-122"/>
               </a:rPr>
-              <a:t>enctype 属性规定在发送到服务器之前应该如何对表单数据进行编码。默认地，表单数据会编码为 "application/x-www-form-urlencoded"。就是说，在发送到服务器之前，所有字符都会进行编码（空格转换为 "+" 加号，特殊符号转换为 ASCII HEX 值）。</a:t>
+              <a:t>enctype 属性规定在发送到服务器之前应该</a:t>
+            </a:r>
+            <a:r>
+              <a:rPr lang="zh-CN" altLang="en-US" b="1">
+                <a:solidFill>
+                  <a:srgbClr val="FF0000"/>
+                </a:solidFill>
+                <a:latin typeface="宋体" panose="02010600030101010101" pitchFamily="2" charset="-122"/>
+                <a:ea typeface="宋体" panose="02010600030101010101" pitchFamily="2" charset="-122"/>
+                <a:cs typeface="宋体" panose="02010600030101010101" pitchFamily="2" charset="-122"/>
+              </a:rPr>
+              <a:t>如何对表单数据进行编码</a:t>
+            </a:r>
+            <a:r>
+              <a:rPr lang="zh-CN" altLang="en-US">
+                <a:latin typeface="宋体" panose="02010600030101010101" pitchFamily="2" charset="-122"/>
+                <a:ea typeface="宋体" panose="02010600030101010101" pitchFamily="2" charset="-122"/>
+                <a:cs typeface="宋体" panose="02010600030101010101" pitchFamily="2" charset="-122"/>
+              </a:rPr>
+              <a:t>。默认地，表单数据会编码为 "application/x-www-form-urlencoded"。就是说，在发送到服务器之前，所有字符都会进行编码（空格转换为 "+" 加号，特殊符号转换为 ASCII HEX 值）。</a:t>
             </a:r>
             <a:endParaRPr lang="zh-CN" altLang="en-US">
               <a:latin typeface="宋体" panose="02010600030101010101" pitchFamily="2" charset="-122"/>
@@ -15422,17 +15600,52 @@
               <a:latin typeface="宋体" panose="02010600030101010101" pitchFamily="2" charset="-122"/>
               <a:ea typeface="宋体" panose="02010600030101010101" pitchFamily="2" charset="-122"/>
               <a:cs typeface="宋体" panose="02010600030101010101" pitchFamily="2" charset="-122"/>
-            </a:endParaRPr>
-          </a:p>
-          <a:p>
-            <a:r>
-              <a:rPr lang="zh-CN" altLang="en-US">
-                <a:latin typeface="宋体" panose="02010600030101010101" pitchFamily="2" charset="-122"/>
-                <a:ea typeface="宋体" panose="02010600030101010101" pitchFamily="2" charset="-122"/>
-                <a:cs typeface="宋体" panose="02010600030101010101" pitchFamily="2" charset="-122"/>
-              </a:rPr>
-              <a:t>application/x-www-form-urlencoded	在发送前编码所有字符（默认）</a:t>
-            </a:r>
+              <a:sym typeface="+mn-ea"/>
+            </a:endParaRPr>
+          </a:p>
+          <a:p>
+            <a:endParaRPr lang="zh-CN" altLang="en-US">
+              <a:latin typeface="宋体" panose="02010600030101010101" pitchFamily="2" charset="-122"/>
+              <a:ea typeface="宋体" panose="02010600030101010101" pitchFamily="2" charset="-122"/>
+              <a:cs typeface="宋体" panose="02010600030101010101" pitchFamily="2" charset="-122"/>
+            </a:endParaRPr>
+          </a:p>
+          <a:p>
+            <a:r>
+              <a:rPr lang="zh-CN" altLang="en-US">
+                <a:latin typeface="宋体" panose="02010600030101010101" pitchFamily="2" charset="-122"/>
+                <a:ea typeface="宋体" panose="02010600030101010101" pitchFamily="2" charset="-122"/>
+                <a:cs typeface="宋体" panose="02010600030101010101" pitchFamily="2" charset="-122"/>
+              </a:rPr>
+              <a:t>application/x-www-form-urlencoded	在发送前编码所有字符（</a:t>
+            </a:r>
+            <a:r>
+              <a:rPr lang="zh-CN" altLang="en-US" b="1">
+                <a:solidFill>
+                  <a:srgbClr val="FF0000"/>
+                </a:solidFill>
+                <a:latin typeface="宋体" panose="02010600030101010101" pitchFamily="2" charset="-122"/>
+                <a:ea typeface="宋体" panose="02010600030101010101" pitchFamily="2" charset="-122"/>
+                <a:cs typeface="宋体" panose="02010600030101010101" pitchFamily="2" charset="-122"/>
+                <a:sym typeface="+mn-ea"/>
+              </a:rPr>
+              <a:t>默认编码方式</a:t>
+            </a:r>
+            <a:r>
+              <a:rPr lang="zh-CN" altLang="en-US">
+                <a:latin typeface="宋体" panose="02010600030101010101" pitchFamily="2" charset="-122"/>
+                <a:ea typeface="宋体" panose="02010600030101010101" pitchFamily="2" charset="-122"/>
+                <a:cs typeface="宋体" panose="02010600030101010101" pitchFamily="2" charset="-122"/>
+              </a:rPr>
+              <a:t>）</a:t>
+            </a:r>
+            <a:endParaRPr lang="zh-CN" altLang="en-US">
+              <a:latin typeface="宋体" panose="02010600030101010101" pitchFamily="2" charset="-122"/>
+              <a:ea typeface="宋体" panose="02010600030101010101" pitchFamily="2" charset="-122"/>
+              <a:cs typeface="宋体" panose="02010600030101010101" pitchFamily="2" charset="-122"/>
+            </a:endParaRPr>
+          </a:p>
+          <a:p>
             <a:endParaRPr lang="zh-CN" altLang="en-US">
               <a:latin typeface="宋体" panose="02010600030101010101" pitchFamily="2" charset="-122"/>
               <a:ea typeface="宋体" panose="02010600030101010101" pitchFamily="2" charset="-122"/>
@@ -15454,16 +15667,42 @@
                 <a:ea typeface="宋体" panose="02010600030101010101" pitchFamily="2" charset="-122"/>
                 <a:cs typeface="宋体" panose="02010600030101010101" pitchFamily="2" charset="-122"/>
               </a:rPr>
-              <a:t>	</a:t>
-            </a:r>
-            <a:r>
-              <a:rPr lang="zh-CN" altLang="en-US">
-                <a:latin typeface="宋体" panose="02010600030101010101" pitchFamily="2" charset="-122"/>
-                <a:ea typeface="宋体" panose="02010600030101010101" pitchFamily="2" charset="-122"/>
-                <a:cs typeface="宋体" panose="02010600030101010101" pitchFamily="2" charset="-122"/>
-              </a:rPr>
-              <a:t>不对字符编码。在使用包含文件上传控件的表单时，必须使用该值。</a:t>
-            </a:r>
+              <a:t>		</a:t>
+            </a:r>
+            <a:r>
+              <a:rPr lang="zh-CN" altLang="en-US">
+                <a:latin typeface="宋体" panose="02010600030101010101" pitchFamily="2" charset="-122"/>
+                <a:ea typeface="宋体" panose="02010600030101010101" pitchFamily="2" charset="-122"/>
+                <a:cs typeface="宋体" panose="02010600030101010101" pitchFamily="2" charset="-122"/>
+              </a:rPr>
+              <a:t>不对字符编码。在使用包含</a:t>
+            </a:r>
+            <a:r>
+              <a:rPr lang="zh-CN" altLang="en-US" b="1">
+                <a:solidFill>
+                  <a:srgbClr val="FF0000"/>
+                </a:solidFill>
+                <a:latin typeface="宋体" panose="02010600030101010101" pitchFamily="2" charset="-122"/>
+                <a:ea typeface="宋体" panose="02010600030101010101" pitchFamily="2" charset="-122"/>
+                <a:cs typeface="宋体" panose="02010600030101010101" pitchFamily="2" charset="-122"/>
+              </a:rPr>
+              <a:t>文件上传</a:t>
+            </a:r>
+            <a:r>
+              <a:rPr lang="zh-CN" altLang="en-US">
+                <a:latin typeface="宋体" panose="02010600030101010101" pitchFamily="2" charset="-122"/>
+                <a:ea typeface="宋体" panose="02010600030101010101" pitchFamily="2" charset="-122"/>
+                <a:cs typeface="宋体" panose="02010600030101010101" pitchFamily="2" charset="-122"/>
+              </a:rPr>
+              <a:t>控件的表单时，必须使用该值。</a:t>
+            </a:r>
+            <a:endParaRPr lang="zh-CN" altLang="en-US">
+              <a:latin typeface="宋体" panose="02010600030101010101" pitchFamily="2" charset="-122"/>
+              <a:ea typeface="宋体" panose="02010600030101010101" pitchFamily="2" charset="-122"/>
+              <a:cs typeface="宋体" panose="02010600030101010101" pitchFamily="2" charset="-122"/>
+            </a:endParaRPr>
+          </a:p>
+          <a:p>
             <a:endParaRPr lang="zh-CN" altLang="en-US">
               <a:latin typeface="宋体" panose="02010600030101010101" pitchFamily="2" charset="-122"/>
               <a:ea typeface="宋体" panose="02010600030101010101" pitchFamily="2" charset="-122"/>
@@ -15485,7 +15724,7 @@
                 <a:ea typeface="宋体" panose="02010600030101010101" pitchFamily="2" charset="-122"/>
                 <a:cs typeface="宋体" panose="02010600030101010101" pitchFamily="2" charset="-122"/>
               </a:rPr>
-              <a:t>		</a:t>
+              <a:t>			</a:t>
             </a:r>
             <a:r>
               <a:rPr lang="zh-CN" altLang="en-US">
@@ -17142,7 +17381,7 @@
         <p:spPr>
           <a:xfrm>
             <a:off x="161925" y="1597025"/>
-            <a:ext cx="11867515" cy="3692525"/>
+            <a:ext cx="11867515" cy="3969385"/>
           </a:xfrm>
           <a:prstGeom prst="rect">
             <a:avLst/>
@@ -17201,7 +17440,23 @@
                 <a:ea typeface="宋体" panose="02010600030101010101" pitchFamily="2" charset="-122"/>
                 <a:cs typeface="宋体" panose="02010600030101010101" pitchFamily="2" charset="-122"/>
               </a:rPr>
-              <a:t>HTML历史上有如下版本：</a:t>
+              <a:t>HTML历史上有如下版本</a:t>
+            </a:r>
+            <a:r>
+              <a:rPr lang="zh-CN" altLang="en-US">
+                <a:latin typeface="宋体" panose="02010600030101010101" pitchFamily="2" charset="-122"/>
+                <a:ea typeface="宋体" panose="02010600030101010101" pitchFamily="2" charset="-122"/>
+                <a:cs typeface="宋体" panose="02010600030101010101" pitchFamily="2" charset="-122"/>
+              </a:rPr>
+              <a:t>（HTML产生于1990年，1997年HTML4成为互联网标准）</a:t>
+            </a:r>
+            <a:r>
+              <a:rPr lang="en-US" altLang="zh-CN">
+                <a:latin typeface="宋体" panose="02010600030101010101" pitchFamily="2" charset="-122"/>
+                <a:ea typeface="宋体" panose="02010600030101010101" pitchFamily="2" charset="-122"/>
+                <a:cs typeface="宋体" panose="02010600030101010101" pitchFamily="2" charset="-122"/>
+              </a:rPr>
+              <a:t>：</a:t>
             </a:r>
             <a:endParaRPr lang="en-US" altLang="zh-CN">
               <a:latin typeface="宋体" panose="02010600030101010101" pitchFamily="2" charset="-122"/>
@@ -17216,7 +17471,26 @@
                 <a:ea typeface="宋体" panose="02010600030101010101" pitchFamily="2" charset="-122"/>
                 <a:cs typeface="宋体" panose="02010600030101010101" pitchFamily="2" charset="-122"/>
               </a:rPr>
-              <a:t>①HTML 1.0：在1993年6月作为互联网工程工作小组(IETF)工作草案发布。 </a:t>
+              <a:t>①HTML 1.0：在1993年6月作为</a:t>
+            </a:r>
+            <a:r>
+              <a:rPr lang="en-US" altLang="zh-CN" b="1">
+                <a:solidFill>
+                  <a:srgbClr val="FF0000"/>
+                </a:solidFill>
+                <a:latin typeface="宋体" panose="02010600030101010101" pitchFamily="2" charset="-122"/>
+                <a:ea typeface="宋体" panose="02010600030101010101" pitchFamily="2" charset="-122"/>
+                <a:cs typeface="宋体" panose="02010600030101010101" pitchFamily="2" charset="-122"/>
+              </a:rPr>
+              <a:t>互联网工程工作小组(IETF)</a:t>
+            </a:r>
+            <a:r>
+              <a:rPr lang="en-US" altLang="zh-CN">
+                <a:latin typeface="宋体" panose="02010600030101010101" pitchFamily="2" charset="-122"/>
+                <a:ea typeface="宋体" panose="02010600030101010101" pitchFamily="2" charset="-122"/>
+                <a:cs typeface="宋体" panose="02010600030101010101" pitchFamily="2" charset="-122"/>
+              </a:rPr>
+              <a:t>工作草案发布。 </a:t>
             </a:r>
             <a:endParaRPr lang="en-US" altLang="zh-CN">
               <a:latin typeface="宋体" panose="02010600030101010101" pitchFamily="2" charset="-122"/>
@@ -17246,7 +17520,26 @@
                 <a:ea typeface="宋体" panose="02010600030101010101" pitchFamily="2" charset="-122"/>
                 <a:cs typeface="宋体" panose="02010600030101010101" pitchFamily="2" charset="-122"/>
               </a:rPr>
-              <a:t>③HTML 3.2：1997年1月14日，W3C推荐标准。 </a:t>
+              <a:t>③HTML 3.2：1997年1月14日，</a:t>
+            </a:r>
+            <a:r>
+              <a:rPr lang="en-US" altLang="zh-CN" b="1">
+                <a:solidFill>
+                  <a:srgbClr val="FF0000"/>
+                </a:solidFill>
+                <a:latin typeface="宋体" panose="02010600030101010101" pitchFamily="2" charset="-122"/>
+                <a:ea typeface="宋体" panose="02010600030101010101" pitchFamily="2" charset="-122"/>
+                <a:cs typeface="宋体" panose="02010600030101010101" pitchFamily="2" charset="-122"/>
+              </a:rPr>
+              <a:t>W3C</a:t>
+            </a:r>
+            <a:r>
+              <a:rPr lang="en-US" altLang="zh-CN">
+                <a:latin typeface="宋体" panose="02010600030101010101" pitchFamily="2" charset="-122"/>
+                <a:ea typeface="宋体" panose="02010600030101010101" pitchFamily="2" charset="-122"/>
+                <a:cs typeface="宋体" panose="02010600030101010101" pitchFamily="2" charset="-122"/>
+              </a:rPr>
+              <a:t>推荐标准。 </a:t>
             </a:r>
             <a:endParaRPr lang="en-US" altLang="zh-CN">
               <a:latin typeface="宋体" panose="02010600030101010101" pitchFamily="2" charset="-122"/>
@@ -17356,7 +17649,23 @@
                 <a:ea typeface="宋体" panose="02010600030101010101" pitchFamily="2" charset="-122"/>
                 <a:cs typeface="宋体" panose="02010600030101010101" pitchFamily="2" charset="-122"/>
               </a:rPr>
-              <a:t>HTML 5：HTML5是公认的下一代Web语言，极大地提升了Web在富媒体、富内容和富应用等方面的能力，被喻为终将改变移动互联网的重要推手。</a:t>
+              <a:t>HTML 5：HTML5在从前HTML4.01的基础上进行了一定的改进</a:t>
+            </a:r>
+            <a:r>
+              <a:rPr lang="zh-CN" altLang="en-US">
+                <a:latin typeface="宋体" panose="02010600030101010101" pitchFamily="2" charset="-122"/>
+                <a:ea typeface="宋体" panose="02010600030101010101" pitchFamily="2" charset="-122"/>
+                <a:cs typeface="宋体" panose="02010600030101010101" pitchFamily="2" charset="-122"/>
+              </a:rPr>
+              <a:t>，2008 年正式发布，在 2012 年已形成了稳定的版本。</a:t>
+            </a:r>
+            <a:r>
+              <a:rPr lang="en-US" altLang="zh-CN">
+                <a:latin typeface="宋体" panose="02010600030101010101" pitchFamily="2" charset="-122"/>
+                <a:ea typeface="宋体" panose="02010600030101010101" pitchFamily="2" charset="-122"/>
+                <a:cs typeface="宋体" panose="02010600030101010101" pitchFamily="2" charset="-122"/>
+              </a:rPr>
+              <a:t>HTML5是公认的下一代Web语言，极大地提升了Web在富媒体、富内容和富应用等方面的能力，被喻为终将改变移动互联网的重要推手。</a:t>
             </a:r>
             <a:endParaRPr lang="en-US" altLang="zh-CN">
               <a:latin typeface="宋体" panose="02010600030101010101" pitchFamily="2" charset="-122"/>
@@ -18511,7 +18820,7 @@
               <a:t>在 W3C 发布某个新标准的过程中，规范是通过下面的</a:t>
             </a:r>
             <a:r>
-              <a:rPr lang="zh-CN" altLang="en-US">
+              <a:rPr lang="zh-CN" altLang="en-US" b="1">
                 <a:solidFill>
                   <a:srgbClr val="FF0000"/>
                 </a:solidFill>
@@ -18905,7 +19214,28 @@
                 <a:cs typeface="宋体" panose="02010600030101010101" pitchFamily="2" charset="-122"/>
                 <a:sym typeface="+mn-ea"/>
               </a:rPr>
-              <a:t>标签不区分大小写&lt;html&gt; 和 &lt;HTML&gt;, 推荐使用小写。</a:t>
+              <a:t>标签</a:t>
+            </a:r>
+            <a:r>
+              <a:rPr lang="zh-CN" altLang="en-US" b="1">
+                <a:solidFill>
+                  <a:srgbClr val="FF0000"/>
+                </a:solidFill>
+                <a:latin typeface="宋体" panose="02010600030101010101" pitchFamily="2" charset="-122"/>
+                <a:ea typeface="宋体" panose="02010600030101010101" pitchFamily="2" charset="-122"/>
+                <a:cs typeface="宋体" panose="02010600030101010101" pitchFamily="2" charset="-122"/>
+                <a:sym typeface="+mn-ea"/>
+              </a:rPr>
+              <a:t>不区分</a:t>
+            </a:r>
+            <a:r>
+              <a:rPr lang="zh-CN" altLang="en-US">
+                <a:latin typeface="宋体" panose="02010600030101010101" pitchFamily="2" charset="-122"/>
+                <a:ea typeface="宋体" panose="02010600030101010101" pitchFamily="2" charset="-122"/>
+                <a:cs typeface="宋体" panose="02010600030101010101" pitchFamily="2" charset="-122"/>
+                <a:sym typeface="+mn-ea"/>
+              </a:rPr>
+              <a:t>大小写&lt;html&gt; 和 &lt;HTML&gt;, 推荐使用小写。</a:t>
             </a:r>
             <a:endParaRPr lang="zh-CN" altLang="en-US">
               <a:solidFill>
